--- a/Excersie Screen Capture.pptx
+++ b/Excersie Screen Capture.pptx
@@ -3335,7 +3335,7 @@
         </p:nvSpPr>
         <p:spPr>
           <a:xfrm>
-            <a:off x="363556" y="275422"/>
+            <a:off x="132201" y="110169"/>
             <a:ext cx="1255923" cy="369332"/>
           </a:xfrm>
           <a:prstGeom prst="rect">
@@ -3351,11 +3351,106 @@
           <a:p>
             <a:r>
               <a:rPr lang="en-US" dirty="0"/>
-              <a:t>List</a:t>
-            </a:r>
-          </a:p>
-        </p:txBody>
-      </p:sp>
+              <a:t>List View -5</a:t>
+            </a:r>
+          </a:p>
+        </p:txBody>
+      </p:sp>
+      <p:pic>
+        <p:nvPicPr>
+          <p:cNvPr id="5" name="Picture 4">
+            <a:extLst>
+              <a:ext uri="{FF2B5EF4-FFF2-40B4-BE49-F238E27FC236}">
+                <a16:creationId xmlns:a16="http://schemas.microsoft.com/office/drawing/2014/main" id="{778B6EA8-CB4B-43AF-BD4A-28306EB0C7E2}"/>
+              </a:ext>
+            </a:extLst>
+          </p:cNvPr>
+          <p:cNvPicPr>
+            <a:picLocks noChangeAspect="1"/>
+          </p:cNvPicPr>
+          <p:nvPr/>
+        </p:nvPicPr>
+        <p:blipFill>
+          <a:blip r:embed="rId2"/>
+          <a:stretch>
+            <a:fillRect/>
+          </a:stretch>
+        </p:blipFill>
+        <p:spPr>
+          <a:xfrm>
+            <a:off x="132201" y="623674"/>
+            <a:ext cx="1983038" cy="2967176"/>
+          </a:xfrm>
+          <a:prstGeom prst="rect">
+            <a:avLst/>
+          </a:prstGeom>
+        </p:spPr>
+      </p:pic>
+      <p:sp>
+        <p:nvSpPr>
+          <p:cNvPr id="6" name="TextBox 5">
+            <a:extLst>
+              <a:ext uri="{FF2B5EF4-FFF2-40B4-BE49-F238E27FC236}">
+                <a16:creationId xmlns:a16="http://schemas.microsoft.com/office/drawing/2014/main" id="{C1AE2165-5884-4C42-A9C3-3B6F8E8CFE95}"/>
+              </a:ext>
+            </a:extLst>
+          </p:cNvPr>
+          <p:cNvSpPr txBox="1"/>
+          <p:nvPr/>
+        </p:nvSpPr>
+        <p:spPr>
+          <a:xfrm>
+            <a:off x="2335575" y="110169"/>
+            <a:ext cx="1553379" cy="369332"/>
+          </a:xfrm>
+          <a:prstGeom prst="rect">
+            <a:avLst/>
+          </a:prstGeom>
+          <a:noFill/>
+        </p:spPr>
+        <p:txBody>
+          <a:bodyPr wrap="square" rtlCol="0">
+            <a:spAutoFit/>
+          </a:bodyPr>
+          <a:lstStyle/>
+          <a:p>
+            <a:r>
+              <a:rPr lang="en-US" dirty="0"/>
+              <a:t>List View -Ex</a:t>
+            </a:r>
+          </a:p>
+        </p:txBody>
+      </p:sp>
+      <p:pic>
+        <p:nvPicPr>
+          <p:cNvPr id="7" name="Picture 6">
+            <a:extLst>
+              <a:ext uri="{FF2B5EF4-FFF2-40B4-BE49-F238E27FC236}">
+                <a16:creationId xmlns:a16="http://schemas.microsoft.com/office/drawing/2014/main" id="{A2639ECC-4608-4661-AC5C-97C59E60B012}"/>
+              </a:ext>
+            </a:extLst>
+          </p:cNvPr>
+          <p:cNvPicPr>
+            <a:picLocks noChangeAspect="1"/>
+          </p:cNvPicPr>
+          <p:nvPr/>
+        </p:nvPicPr>
+        <p:blipFill>
+          <a:blip r:embed="rId3"/>
+          <a:stretch>
+            <a:fillRect/>
+          </a:stretch>
+        </p:blipFill>
+        <p:spPr>
+          <a:xfrm>
+            <a:off x="2418574" y="623674"/>
+            <a:ext cx="1745802" cy="2967176"/>
+          </a:xfrm>
+          <a:prstGeom prst="rect">
+            <a:avLst/>
+          </a:prstGeom>
+        </p:spPr>
+      </p:pic>
     </p:spTree>
     <p:extLst>
       <p:ext uri="{BB962C8B-B14F-4D97-AF65-F5344CB8AC3E}">

--- a/Excersie Screen Capture.pptx
+++ b/Excersie Screen Capture.pptx
@@ -104,7 +104,16 @@
       </a:defRPr>
     </a:lvl9pPr>
   </p:defaultTextStyle>
+  <p:extLst>
+    <p:ext uri="{EFAFB233-063F-42B5-8137-9DF3F51BA10A}">
+      <p15:sldGuideLst xmlns:p15="http://schemas.microsoft.com/office/powerpoint/2012/main"/>
+    </p:ext>
+  </p:extLst>
 </p:presentation>
+</file>
+
+<file path=ppt/revisionInfo.xml><?xml version="1.0" encoding="utf-8"?>
+<p1510:revInfo xmlns:a="http://schemas.openxmlformats.org/drawingml/2006/main" xmlns:r="http://schemas.openxmlformats.org/officeDocument/2006/relationships" xmlns:p1510="http://schemas.microsoft.com/office/powerpoint/2015/10/main"/>
 </file>
 
 <file path=ppt/slideLayouts/slideLayout1.xml><?xml version="1.0" encoding="utf-8"?>
@@ -254,7 +263,7 @@
           <a:p>
             <a:fld id="{DD5A4D58-816D-4789-828A-A432632AD231}" type="datetimeFigureOut">
               <a:rPr lang="en-US" smtClean="0"/>
-              <a:t>10/15/2017</a:t>
+              <a:t>10/18/2017</a:t>
             </a:fld>
             <a:endParaRPr lang="en-US"/>
           </a:p>
@@ -452,7 +461,7 @@
           <a:p>
             <a:fld id="{DD5A4D58-816D-4789-828A-A432632AD231}" type="datetimeFigureOut">
               <a:rPr lang="en-US" smtClean="0"/>
-              <a:t>10/15/2017</a:t>
+              <a:t>10/18/2017</a:t>
             </a:fld>
             <a:endParaRPr lang="en-US"/>
           </a:p>
@@ -660,7 +669,7 @@
           <a:p>
             <a:fld id="{DD5A4D58-816D-4789-828A-A432632AD231}" type="datetimeFigureOut">
               <a:rPr lang="en-US" smtClean="0"/>
-              <a:t>10/15/2017</a:t>
+              <a:t>10/18/2017</a:t>
             </a:fld>
             <a:endParaRPr lang="en-US"/>
           </a:p>
@@ -858,7 +867,7 @@
           <a:p>
             <a:fld id="{DD5A4D58-816D-4789-828A-A432632AD231}" type="datetimeFigureOut">
               <a:rPr lang="en-US" smtClean="0"/>
-              <a:t>10/15/2017</a:t>
+              <a:t>10/18/2017</a:t>
             </a:fld>
             <a:endParaRPr lang="en-US"/>
           </a:p>
@@ -1133,7 +1142,7 @@
           <a:p>
             <a:fld id="{DD5A4D58-816D-4789-828A-A432632AD231}" type="datetimeFigureOut">
               <a:rPr lang="en-US" smtClean="0"/>
-              <a:t>10/15/2017</a:t>
+              <a:t>10/18/2017</a:t>
             </a:fld>
             <a:endParaRPr lang="en-US"/>
           </a:p>
@@ -1398,7 +1407,7 @@
           <a:p>
             <a:fld id="{DD5A4D58-816D-4789-828A-A432632AD231}" type="datetimeFigureOut">
               <a:rPr lang="en-US" smtClean="0"/>
-              <a:t>10/15/2017</a:t>
+              <a:t>10/18/2017</a:t>
             </a:fld>
             <a:endParaRPr lang="en-US"/>
           </a:p>
@@ -1810,7 +1819,7 @@
           <a:p>
             <a:fld id="{DD5A4D58-816D-4789-828A-A432632AD231}" type="datetimeFigureOut">
               <a:rPr lang="en-US" smtClean="0"/>
-              <a:t>10/15/2017</a:t>
+              <a:t>10/18/2017</a:t>
             </a:fld>
             <a:endParaRPr lang="en-US"/>
           </a:p>
@@ -1951,7 +1960,7 @@
           <a:p>
             <a:fld id="{DD5A4D58-816D-4789-828A-A432632AD231}" type="datetimeFigureOut">
               <a:rPr lang="en-US" smtClean="0"/>
-              <a:t>10/15/2017</a:t>
+              <a:t>10/18/2017</a:t>
             </a:fld>
             <a:endParaRPr lang="en-US"/>
           </a:p>
@@ -2064,7 +2073,7 @@
           <a:p>
             <a:fld id="{DD5A4D58-816D-4789-828A-A432632AD231}" type="datetimeFigureOut">
               <a:rPr lang="en-US" smtClean="0"/>
-              <a:t>10/15/2017</a:t>
+              <a:t>10/18/2017</a:t>
             </a:fld>
             <a:endParaRPr lang="en-US"/>
           </a:p>
@@ -2375,7 +2384,7 @@
           <a:p>
             <a:fld id="{DD5A4D58-816D-4789-828A-A432632AD231}" type="datetimeFigureOut">
               <a:rPr lang="en-US" smtClean="0"/>
-              <a:t>10/15/2017</a:t>
+              <a:t>10/18/2017</a:t>
             </a:fld>
             <a:endParaRPr lang="en-US"/>
           </a:p>
@@ -2663,7 +2672,7 @@
           <a:p>
             <a:fld id="{DD5A4D58-816D-4789-828A-A432632AD231}" type="datetimeFigureOut">
               <a:rPr lang="en-US" smtClean="0"/>
-              <a:t>10/15/2017</a:t>
+              <a:t>10/18/2017</a:t>
             </a:fld>
             <a:endParaRPr lang="en-US"/>
           </a:p>
@@ -2904,7 +2913,7 @@
           <a:p>
             <a:fld id="{DD5A4D58-816D-4789-828A-A432632AD231}" type="datetimeFigureOut">
               <a:rPr lang="en-US" smtClean="0"/>
-              <a:t>10/15/2017</a:t>
+              <a:t>10/18/2017</a:t>
             </a:fld>
             <a:endParaRPr lang="en-US"/>
           </a:p>
@@ -3378,7 +3387,7 @@
         </p:blipFill>
         <p:spPr>
           <a:xfrm>
-            <a:off x="132201" y="623674"/>
+            <a:off x="132201" y="524521"/>
             <a:ext cx="1983038" cy="2967176"/>
           </a:xfrm>
           <a:prstGeom prst="rect">
@@ -3443,7 +3452,7 @@
         </p:blipFill>
         <p:spPr>
           <a:xfrm>
-            <a:off x="2418574" y="623674"/>
+            <a:off x="2418574" y="524521"/>
             <a:ext cx="1745802" cy="2967176"/>
           </a:xfrm>
           <a:prstGeom prst="rect">
@@ -3451,6 +3460,274 @@
           </a:prstGeom>
         </p:spPr>
       </p:pic>
+      <p:pic>
+        <p:nvPicPr>
+          <p:cNvPr id="8" name="Picture 7">
+            <a:extLst>
+              <a:ext uri="{FF2B5EF4-FFF2-40B4-BE49-F238E27FC236}">
+                <a16:creationId xmlns:a16="http://schemas.microsoft.com/office/drawing/2014/main" id="{B8629B3B-F1D3-4A02-9FE5-AD47E40CCEAF}"/>
+              </a:ext>
+            </a:extLst>
+          </p:cNvPr>
+          <p:cNvPicPr>
+            <a:picLocks noChangeAspect="1"/>
+          </p:cNvPicPr>
+          <p:nvPr/>
+        </p:nvPicPr>
+        <p:blipFill>
+          <a:blip r:embed="rId4"/>
+          <a:stretch>
+            <a:fillRect/>
+          </a:stretch>
+        </p:blipFill>
+        <p:spPr>
+          <a:xfrm>
+            <a:off x="4735385" y="524522"/>
+            <a:ext cx="1943003" cy="2967176"/>
+          </a:xfrm>
+          <a:prstGeom prst="rect">
+            <a:avLst/>
+          </a:prstGeom>
+        </p:spPr>
+      </p:pic>
+      <p:pic>
+        <p:nvPicPr>
+          <p:cNvPr id="16" name="Picture 15">
+            <a:extLst>
+              <a:ext uri="{FF2B5EF4-FFF2-40B4-BE49-F238E27FC236}">
+                <a16:creationId xmlns:a16="http://schemas.microsoft.com/office/drawing/2014/main" id="{F7251C11-A87B-4837-92AB-29307D0ACDC6}"/>
+              </a:ext>
+            </a:extLst>
+          </p:cNvPr>
+          <p:cNvPicPr>
+            <a:picLocks noChangeAspect="1"/>
+          </p:cNvPicPr>
+          <p:nvPr/>
+        </p:nvPicPr>
+        <p:blipFill>
+          <a:blip r:embed="rId5"/>
+          <a:stretch>
+            <a:fillRect/>
+          </a:stretch>
+        </p:blipFill>
+        <p:spPr>
+          <a:xfrm>
+            <a:off x="132201" y="3952951"/>
+            <a:ext cx="1806051" cy="2766024"/>
+          </a:xfrm>
+          <a:prstGeom prst="rect">
+            <a:avLst/>
+          </a:prstGeom>
+        </p:spPr>
+      </p:pic>
+      <p:sp>
+        <p:nvSpPr>
+          <p:cNvPr id="9" name="TextBox 8">
+            <a:extLst>
+              <a:ext uri="{FF2B5EF4-FFF2-40B4-BE49-F238E27FC236}">
+                <a16:creationId xmlns:a16="http://schemas.microsoft.com/office/drawing/2014/main" id="{5FD3918D-591D-4DDF-83D0-0CAB0142CFF5}"/>
+              </a:ext>
+            </a:extLst>
+          </p:cNvPr>
+          <p:cNvSpPr txBox="1"/>
+          <p:nvPr/>
+        </p:nvSpPr>
+        <p:spPr>
+          <a:xfrm>
+            <a:off x="4735385" y="110169"/>
+            <a:ext cx="1943003" cy="369332"/>
+          </a:xfrm>
+          <a:prstGeom prst="rect">
+            <a:avLst/>
+          </a:prstGeom>
+          <a:noFill/>
+        </p:spPr>
+        <p:txBody>
+          <a:bodyPr wrap="square" rtlCol="0">
+            <a:spAutoFit/>
+          </a:bodyPr>
+          <a:lstStyle/>
+          <a:p>
+            <a:r>
+              <a:rPr lang="en-US" dirty="0"/>
+              <a:t>Navigation Page</a:t>
+            </a:r>
+          </a:p>
+        </p:txBody>
+      </p:sp>
+      <p:sp>
+        <p:nvSpPr>
+          <p:cNvPr id="10" name="TextBox 9">
+            <a:extLst>
+              <a:ext uri="{FF2B5EF4-FFF2-40B4-BE49-F238E27FC236}">
+                <a16:creationId xmlns:a16="http://schemas.microsoft.com/office/drawing/2014/main" id="{56365E0F-23CD-4E56-9FFE-FE11ADC34F30}"/>
+              </a:ext>
+            </a:extLst>
+          </p:cNvPr>
+          <p:cNvSpPr txBox="1"/>
+          <p:nvPr/>
+        </p:nvSpPr>
+        <p:spPr>
+          <a:xfrm>
+            <a:off x="132201" y="3536717"/>
+            <a:ext cx="1983038" cy="369332"/>
+          </a:xfrm>
+          <a:prstGeom prst="rect">
+            <a:avLst/>
+          </a:prstGeom>
+          <a:noFill/>
+        </p:spPr>
+        <p:txBody>
+          <a:bodyPr wrap="square" rtlCol="0">
+            <a:spAutoFit/>
+          </a:bodyPr>
+          <a:lstStyle/>
+          <a:p>
+            <a:r>
+              <a:rPr lang="en-US" dirty="0"/>
+              <a:t>Navigation Page</a:t>
+            </a:r>
+          </a:p>
+        </p:txBody>
+      </p:sp>
+      <p:pic>
+        <p:nvPicPr>
+          <p:cNvPr id="2" name="Picture 1">
+            <a:extLst>
+              <a:ext uri="{FF2B5EF4-FFF2-40B4-BE49-F238E27FC236}">
+                <a16:creationId xmlns:a16="http://schemas.microsoft.com/office/drawing/2014/main" id="{7D3D5002-7495-48D6-A9E6-35A6209B86D8}"/>
+              </a:ext>
+            </a:extLst>
+          </p:cNvPr>
+          <p:cNvPicPr>
+            <a:picLocks noChangeAspect="1"/>
+          </p:cNvPicPr>
+          <p:nvPr/>
+        </p:nvPicPr>
+        <p:blipFill>
+          <a:blip r:embed="rId6"/>
+          <a:stretch>
+            <a:fillRect/>
+          </a:stretch>
+        </p:blipFill>
+        <p:spPr>
+          <a:xfrm>
+            <a:off x="2418574" y="3978473"/>
+            <a:ext cx="1828801" cy="2714979"/>
+          </a:xfrm>
+          <a:prstGeom prst="rect">
+            <a:avLst/>
+          </a:prstGeom>
+        </p:spPr>
+      </p:pic>
+      <p:cxnSp>
+        <p:nvCxnSpPr>
+          <p:cNvPr id="11" name="Straight Arrow Connector 10">
+            <a:extLst>
+              <a:ext uri="{FF2B5EF4-FFF2-40B4-BE49-F238E27FC236}">
+                <a16:creationId xmlns:a16="http://schemas.microsoft.com/office/drawing/2014/main" id="{F14B18DC-4F49-47A2-A87B-4599042B2D43}"/>
+              </a:ext>
+            </a:extLst>
+          </p:cNvPr>
+          <p:cNvCxnSpPr/>
+          <p:nvPr/>
+        </p:nvCxnSpPr>
+        <p:spPr>
+          <a:xfrm>
+            <a:off x="2038120" y="4957590"/>
+            <a:ext cx="198304" cy="0"/>
+          </a:xfrm>
+          <a:prstGeom prst="straightConnector1">
+            <a:avLst/>
+          </a:prstGeom>
+          <a:ln>
+            <a:tailEnd type="triangle"/>
+          </a:ln>
+        </p:spPr>
+        <p:style>
+          <a:lnRef idx="1">
+            <a:schemeClr val="accent1"/>
+          </a:lnRef>
+          <a:fillRef idx="0">
+            <a:schemeClr val="accent1"/>
+          </a:fillRef>
+          <a:effectRef idx="0">
+            <a:schemeClr val="accent1"/>
+          </a:effectRef>
+          <a:fontRef idx="minor">
+            <a:schemeClr val="tx1"/>
+          </a:fontRef>
+        </p:style>
+      </p:cxnSp>
+      <p:pic>
+        <p:nvPicPr>
+          <p:cNvPr id="12" name="Picture 11">
+            <a:extLst>
+              <a:ext uri="{FF2B5EF4-FFF2-40B4-BE49-F238E27FC236}">
+                <a16:creationId xmlns:a16="http://schemas.microsoft.com/office/drawing/2014/main" id="{607C3BA6-8284-4DE3-AD44-BFD0FC3719F5}"/>
+              </a:ext>
+            </a:extLst>
+          </p:cNvPr>
+          <p:cNvPicPr>
+            <a:picLocks noChangeAspect="1"/>
+          </p:cNvPicPr>
+          <p:nvPr/>
+        </p:nvPicPr>
+        <p:blipFill>
+          <a:blip r:embed="rId7"/>
+          <a:stretch>
+            <a:fillRect/>
+          </a:stretch>
+        </p:blipFill>
+        <p:spPr>
+          <a:xfrm>
+            <a:off x="7118580" y="524521"/>
+            <a:ext cx="1827117" cy="2740675"/>
+          </a:xfrm>
+          <a:prstGeom prst="rect">
+            <a:avLst/>
+          </a:prstGeom>
+        </p:spPr>
+      </p:pic>
+      <p:cxnSp>
+        <p:nvCxnSpPr>
+          <p:cNvPr id="14" name="Straight Arrow Connector 13">
+            <a:extLst>
+              <a:ext uri="{FF2B5EF4-FFF2-40B4-BE49-F238E27FC236}">
+                <a16:creationId xmlns:a16="http://schemas.microsoft.com/office/drawing/2014/main" id="{AC08FC50-1695-4C79-8DCA-8475C966EFC1}"/>
+              </a:ext>
+            </a:extLst>
+          </p:cNvPr>
+          <p:cNvCxnSpPr/>
+          <p:nvPr/>
+        </p:nvCxnSpPr>
+        <p:spPr>
+          <a:xfrm>
+            <a:off x="6775373" y="1707614"/>
+            <a:ext cx="198304" cy="0"/>
+          </a:xfrm>
+          <a:prstGeom prst="straightConnector1">
+            <a:avLst/>
+          </a:prstGeom>
+          <a:ln>
+            <a:tailEnd type="triangle"/>
+          </a:ln>
+        </p:spPr>
+        <p:style>
+          <a:lnRef idx="1">
+            <a:schemeClr val="accent1"/>
+          </a:lnRef>
+          <a:fillRef idx="0">
+            <a:schemeClr val="accent1"/>
+          </a:fillRef>
+          <a:effectRef idx="0">
+            <a:schemeClr val="accent1"/>
+          </a:effectRef>
+          <a:fontRef idx="minor">
+            <a:schemeClr val="tx1"/>
+          </a:fontRef>
+        </p:style>
+      </p:cxnSp>
     </p:spTree>
     <p:extLst>
       <p:ext uri="{BB962C8B-B14F-4D97-AF65-F5344CB8AC3E}">

--- a/Excersie Screen Capture.pptx
+++ b/Excersie Screen Capture.pptx
@@ -3570,7 +3570,7 @@
         <p:spPr>
           <a:xfrm>
             <a:off x="132201" y="3536717"/>
-            <a:ext cx="1983038" cy="369332"/>
+            <a:ext cx="4603184" cy="369332"/>
           </a:xfrm>
           <a:prstGeom prst="rect">
             <a:avLst/>
@@ -3585,7 +3585,15 @@
           <a:p>
             <a:r>
               <a:rPr lang="en-US" dirty="0"/>
-              <a:t>Navigation Page</a:t>
+              <a:t>Navigation Page ( Similar to </a:t>
+            </a:r>
+            <a:r>
+              <a:rPr lang="en-US" dirty="0" err="1"/>
+              <a:t>MasterDetail</a:t>
+            </a:r>
+            <a:r>
+              <a:rPr lang="en-US" dirty="0"/>
+              <a:t> Page</a:t>
             </a:r>
           </a:p>
         </p:txBody>
@@ -3728,6 +3736,75 @@
           </a:fontRef>
         </p:style>
       </p:cxnSp>
+      <p:pic>
+        <p:nvPicPr>
+          <p:cNvPr id="3" name="Picture 2">
+            <a:extLst>
+              <a:ext uri="{FF2B5EF4-FFF2-40B4-BE49-F238E27FC236}">
+                <a16:creationId xmlns:a16="http://schemas.microsoft.com/office/drawing/2014/main" id="{2609429B-D3CB-47BB-8CF8-8DEA305386F7}"/>
+              </a:ext>
+            </a:extLst>
+          </p:cNvPr>
+          <p:cNvPicPr>
+            <a:picLocks noChangeAspect="1"/>
+          </p:cNvPicPr>
+          <p:nvPr/>
+        </p:nvPicPr>
+        <p:blipFill>
+          <a:blip r:embed="rId8"/>
+          <a:stretch>
+            <a:fillRect/>
+          </a:stretch>
+        </p:blipFill>
+        <p:spPr>
+          <a:xfrm>
+            <a:off x="4835253" y="3881129"/>
+            <a:ext cx="1904931" cy="2909666"/>
+          </a:xfrm>
+          <a:prstGeom prst="rect">
+            <a:avLst/>
+          </a:prstGeom>
+        </p:spPr>
+      </p:pic>
+      <p:sp>
+        <p:nvSpPr>
+          <p:cNvPr id="15" name="TextBox 14">
+            <a:extLst>
+              <a:ext uri="{FF2B5EF4-FFF2-40B4-BE49-F238E27FC236}">
+                <a16:creationId xmlns:a16="http://schemas.microsoft.com/office/drawing/2014/main" id="{A3FB92A2-47F8-46DB-A9F1-783AEBF184E1}"/>
+              </a:ext>
+            </a:extLst>
+          </p:cNvPr>
+          <p:cNvSpPr txBox="1"/>
+          <p:nvPr/>
+        </p:nvSpPr>
+        <p:spPr>
+          <a:xfrm>
+            <a:off x="4735385" y="3536717"/>
+            <a:ext cx="1943003" cy="369332"/>
+          </a:xfrm>
+          <a:prstGeom prst="rect">
+            <a:avLst/>
+          </a:prstGeom>
+          <a:noFill/>
+        </p:spPr>
+        <p:txBody>
+          <a:bodyPr wrap="square" rtlCol="0">
+            <a:spAutoFit/>
+          </a:bodyPr>
+          <a:lstStyle/>
+          <a:p>
+            <a:r>
+              <a:rPr lang="en-US"/>
+              <a:t>Tabbed </a:t>
+            </a:r>
+            <a:r>
+              <a:rPr lang="en-US" dirty="0"/>
+              <a:t>Page</a:t>
+            </a:r>
+          </a:p>
+        </p:txBody>
+      </p:sp>
     </p:spTree>
     <p:extLst>
       <p:ext uri="{BB962C8B-B14F-4D97-AF65-F5344CB8AC3E}">

--- a/Excersie Screen Capture.pptx
+++ b/Excersie Screen Capture.pptx
@@ -6,6 +6,7 @@
   </p:sldMasterIdLst>
   <p:sldIdLst>
     <p:sldId id="256" r:id="rId2"/>
+    <p:sldId id="257" r:id="rId3"/>
   </p:sldIdLst>
   <p:sldSz cx="12192000" cy="6858000"/>
   <p:notesSz cx="6858000" cy="9144000"/>
@@ -263,7 +264,7 @@
           <a:p>
             <a:fld id="{DD5A4D58-816D-4789-828A-A432632AD231}" type="datetimeFigureOut">
               <a:rPr lang="en-US" smtClean="0"/>
-              <a:t>10/18/2017</a:t>
+              <a:t>10/19/2017</a:t>
             </a:fld>
             <a:endParaRPr lang="en-US"/>
           </a:p>
@@ -461,7 +462,7 @@
           <a:p>
             <a:fld id="{DD5A4D58-816D-4789-828A-A432632AD231}" type="datetimeFigureOut">
               <a:rPr lang="en-US" smtClean="0"/>
-              <a:t>10/18/2017</a:t>
+              <a:t>10/19/2017</a:t>
             </a:fld>
             <a:endParaRPr lang="en-US"/>
           </a:p>
@@ -669,7 +670,7 @@
           <a:p>
             <a:fld id="{DD5A4D58-816D-4789-828A-A432632AD231}" type="datetimeFigureOut">
               <a:rPr lang="en-US" smtClean="0"/>
-              <a:t>10/18/2017</a:t>
+              <a:t>10/19/2017</a:t>
             </a:fld>
             <a:endParaRPr lang="en-US"/>
           </a:p>
@@ -867,7 +868,7 @@
           <a:p>
             <a:fld id="{DD5A4D58-816D-4789-828A-A432632AD231}" type="datetimeFigureOut">
               <a:rPr lang="en-US" smtClean="0"/>
-              <a:t>10/18/2017</a:t>
+              <a:t>10/19/2017</a:t>
             </a:fld>
             <a:endParaRPr lang="en-US"/>
           </a:p>
@@ -1142,7 +1143,7 @@
           <a:p>
             <a:fld id="{DD5A4D58-816D-4789-828A-A432632AD231}" type="datetimeFigureOut">
               <a:rPr lang="en-US" smtClean="0"/>
-              <a:t>10/18/2017</a:t>
+              <a:t>10/19/2017</a:t>
             </a:fld>
             <a:endParaRPr lang="en-US"/>
           </a:p>
@@ -1407,7 +1408,7 @@
           <a:p>
             <a:fld id="{DD5A4D58-816D-4789-828A-A432632AD231}" type="datetimeFigureOut">
               <a:rPr lang="en-US" smtClean="0"/>
-              <a:t>10/18/2017</a:t>
+              <a:t>10/19/2017</a:t>
             </a:fld>
             <a:endParaRPr lang="en-US"/>
           </a:p>
@@ -1819,7 +1820,7 @@
           <a:p>
             <a:fld id="{DD5A4D58-816D-4789-828A-A432632AD231}" type="datetimeFigureOut">
               <a:rPr lang="en-US" smtClean="0"/>
-              <a:t>10/18/2017</a:t>
+              <a:t>10/19/2017</a:t>
             </a:fld>
             <a:endParaRPr lang="en-US"/>
           </a:p>
@@ -1960,7 +1961,7 @@
           <a:p>
             <a:fld id="{DD5A4D58-816D-4789-828A-A432632AD231}" type="datetimeFigureOut">
               <a:rPr lang="en-US" smtClean="0"/>
-              <a:t>10/18/2017</a:t>
+              <a:t>10/19/2017</a:t>
             </a:fld>
             <a:endParaRPr lang="en-US"/>
           </a:p>
@@ -2073,7 +2074,7 @@
           <a:p>
             <a:fld id="{DD5A4D58-816D-4789-828A-A432632AD231}" type="datetimeFigureOut">
               <a:rPr lang="en-US" smtClean="0"/>
-              <a:t>10/18/2017</a:t>
+              <a:t>10/19/2017</a:t>
             </a:fld>
             <a:endParaRPr lang="en-US"/>
           </a:p>
@@ -2384,7 +2385,7 @@
           <a:p>
             <a:fld id="{DD5A4D58-816D-4789-828A-A432632AD231}" type="datetimeFigureOut">
               <a:rPr lang="en-US" smtClean="0"/>
-              <a:t>10/18/2017</a:t>
+              <a:t>10/19/2017</a:t>
             </a:fld>
             <a:endParaRPr lang="en-US"/>
           </a:p>
@@ -2672,7 +2673,7 @@
           <a:p>
             <a:fld id="{DD5A4D58-816D-4789-828A-A432632AD231}" type="datetimeFigureOut">
               <a:rPr lang="en-US" smtClean="0"/>
-              <a:t>10/18/2017</a:t>
+              <a:t>10/19/2017</a:t>
             </a:fld>
             <a:endParaRPr lang="en-US"/>
           </a:p>
@@ -2913,7 +2914,7 @@
           <a:p>
             <a:fld id="{DD5A4D58-816D-4789-828A-A432632AD231}" type="datetimeFigureOut">
               <a:rPr lang="en-US" smtClean="0"/>
-              <a:t>10/18/2017</a:t>
+              <a:t>10/19/2017</a:t>
             </a:fld>
             <a:endParaRPr lang="en-US"/>
           </a:p>
@@ -3795,12 +3796,103 @@
           <a:lstStyle/>
           <a:p>
             <a:r>
-              <a:rPr lang="en-US"/>
-              <a:t>Tabbed </a:t>
-            </a:r>
-            <a:r>
               <a:rPr lang="en-US" dirty="0"/>
-              <a:t>Page</a:t>
+              <a:t>Tabbed Page</a:t>
+            </a:r>
+          </a:p>
+        </p:txBody>
+      </p:sp>
+      <p:pic>
+        <p:nvPicPr>
+          <p:cNvPr id="13" name="Picture 12">
+            <a:extLst>
+              <a:ext uri="{FF2B5EF4-FFF2-40B4-BE49-F238E27FC236}">
+                <a16:creationId xmlns:a16="http://schemas.microsoft.com/office/drawing/2014/main" id="{E77BDF16-12C7-4734-A35B-B8D3E58A7A3F}"/>
+              </a:ext>
+            </a:extLst>
+          </p:cNvPr>
+          <p:cNvPicPr>
+            <a:picLocks noChangeAspect="1"/>
+          </p:cNvPicPr>
+          <p:nvPr/>
+        </p:nvPicPr>
+        <p:blipFill>
+          <a:blip r:embed="rId9"/>
+          <a:stretch>
+            <a:fillRect/>
+          </a:stretch>
+        </p:blipFill>
+        <p:spPr>
+          <a:xfrm>
+            <a:off x="7266266" y="3850264"/>
+            <a:ext cx="1910490" cy="2868711"/>
+          </a:xfrm>
+          <a:prstGeom prst="rect">
+            <a:avLst/>
+          </a:prstGeom>
+        </p:spPr>
+      </p:pic>
+      <p:pic>
+        <p:nvPicPr>
+          <p:cNvPr id="17" name="Picture 16">
+            <a:extLst>
+              <a:ext uri="{FF2B5EF4-FFF2-40B4-BE49-F238E27FC236}">
+                <a16:creationId xmlns:a16="http://schemas.microsoft.com/office/drawing/2014/main" id="{51A9EDD4-C96F-4B20-818A-90CE2F182829}"/>
+              </a:ext>
+            </a:extLst>
+          </p:cNvPr>
+          <p:cNvPicPr>
+            <a:picLocks noChangeAspect="1"/>
+          </p:cNvPicPr>
+          <p:nvPr/>
+        </p:nvPicPr>
+        <p:blipFill>
+          <a:blip r:embed="rId10"/>
+          <a:stretch>
+            <a:fillRect/>
+          </a:stretch>
+        </p:blipFill>
+        <p:spPr>
+          <a:xfrm>
+            <a:off x="9699249" y="3850263"/>
+            <a:ext cx="1921774" cy="2849527"/>
+          </a:xfrm>
+          <a:prstGeom prst="rect">
+            <a:avLst/>
+          </a:prstGeom>
+        </p:spPr>
+      </p:pic>
+      <p:sp>
+        <p:nvSpPr>
+          <p:cNvPr id="18" name="TextBox 17">
+            <a:extLst>
+              <a:ext uri="{FF2B5EF4-FFF2-40B4-BE49-F238E27FC236}">
+                <a16:creationId xmlns:a16="http://schemas.microsoft.com/office/drawing/2014/main" id="{D5469E3B-9800-4BAC-8C72-31D2B8B825D6}"/>
+              </a:ext>
+            </a:extLst>
+          </p:cNvPr>
+          <p:cNvSpPr txBox="1"/>
+          <p:nvPr/>
+        </p:nvSpPr>
+        <p:spPr>
+          <a:xfrm>
+            <a:off x="8580272" y="3373063"/>
+            <a:ext cx="1943003" cy="369332"/>
+          </a:xfrm>
+          <a:prstGeom prst="rect">
+            <a:avLst/>
+          </a:prstGeom>
+          <a:noFill/>
+        </p:spPr>
+        <p:txBody>
+          <a:bodyPr wrap="square" rtlCol="0">
+            <a:spAutoFit/>
+          </a:bodyPr>
+          <a:lstStyle/>
+          <a:p>
+            <a:r>
+              <a:rPr lang="en-US" dirty="0"/>
+              <a:t>Carousel Page</a:t>
             </a:r>
           </a:p>
         </p:txBody>
@@ -3809,6 +3901,166 @@
     <p:extLst>
       <p:ext uri="{BB962C8B-B14F-4D97-AF65-F5344CB8AC3E}">
         <p14:creationId xmlns:p14="http://schemas.microsoft.com/office/powerpoint/2010/main" val="469805375"/>
+      </p:ext>
+    </p:extLst>
+  </p:cSld>
+  <p:clrMapOvr>
+    <a:masterClrMapping/>
+  </p:clrMapOvr>
+</p:sld>
+</file>
+
+<file path=ppt/slides/slide2.xml><?xml version="1.0" encoding="utf-8"?>
+<p:sld xmlns:a="http://schemas.openxmlformats.org/drawingml/2006/main" xmlns:r="http://schemas.openxmlformats.org/officeDocument/2006/relationships" xmlns:p="http://schemas.openxmlformats.org/presentationml/2006/main">
+  <p:cSld>
+    <p:spTree>
+      <p:nvGrpSpPr>
+        <p:cNvPr id="1" name=""/>
+        <p:cNvGrpSpPr/>
+        <p:nvPr/>
+      </p:nvGrpSpPr>
+      <p:grpSpPr>
+        <a:xfrm>
+          <a:off x="0" y="0"/>
+          <a:ext cx="0" cy="0"/>
+          <a:chOff x="0" y="0"/>
+          <a:chExt cx="0" cy="0"/>
+        </a:xfrm>
+      </p:grpSpPr>
+      <p:sp>
+        <p:nvSpPr>
+          <p:cNvPr id="19" name="TextBox 18">
+            <a:extLst>
+              <a:ext uri="{FF2B5EF4-FFF2-40B4-BE49-F238E27FC236}">
+                <a16:creationId xmlns:a16="http://schemas.microsoft.com/office/drawing/2014/main" id="{98F534B7-E45E-4F07-8E12-77B78BEA9F2C}"/>
+              </a:ext>
+            </a:extLst>
+          </p:cNvPr>
+          <p:cNvSpPr txBox="1"/>
+          <p:nvPr/>
+        </p:nvSpPr>
+        <p:spPr>
+          <a:xfrm>
+            <a:off x="132201" y="110169"/>
+            <a:ext cx="1850835" cy="369332"/>
+          </a:xfrm>
+          <a:prstGeom prst="rect">
+            <a:avLst/>
+          </a:prstGeom>
+          <a:noFill/>
+        </p:spPr>
+        <p:txBody>
+          <a:bodyPr wrap="square" rtlCol="0">
+            <a:spAutoFit/>
+          </a:bodyPr>
+          <a:lstStyle/>
+          <a:p>
+            <a:r>
+              <a:rPr lang="en-US" dirty="0"/>
+              <a:t>Display Popup</a:t>
+            </a:r>
+          </a:p>
+        </p:txBody>
+      </p:sp>
+      <p:pic>
+        <p:nvPicPr>
+          <p:cNvPr id="21" name="Picture 20">
+            <a:extLst>
+              <a:ext uri="{FF2B5EF4-FFF2-40B4-BE49-F238E27FC236}">
+                <a16:creationId xmlns:a16="http://schemas.microsoft.com/office/drawing/2014/main" id="{E332223F-9880-4FBF-A884-0C75D57FD591}"/>
+              </a:ext>
+            </a:extLst>
+          </p:cNvPr>
+          <p:cNvPicPr>
+            <a:picLocks noChangeAspect="1"/>
+          </p:cNvPicPr>
+          <p:nvPr/>
+        </p:nvPicPr>
+        <p:blipFill>
+          <a:blip r:embed="rId2"/>
+          <a:stretch>
+            <a:fillRect/>
+          </a:stretch>
+        </p:blipFill>
+        <p:spPr>
+          <a:xfrm>
+            <a:off x="233831" y="479500"/>
+            <a:ext cx="2145812" cy="3221959"/>
+          </a:xfrm>
+          <a:prstGeom prst="rect">
+            <a:avLst/>
+          </a:prstGeom>
+        </p:spPr>
+      </p:pic>
+      <p:pic>
+        <p:nvPicPr>
+          <p:cNvPr id="22" name="Picture 21">
+            <a:extLst>
+              <a:ext uri="{FF2B5EF4-FFF2-40B4-BE49-F238E27FC236}">
+                <a16:creationId xmlns:a16="http://schemas.microsoft.com/office/drawing/2014/main" id="{CA5D77AF-DA34-421C-83F1-F15C1933960A}"/>
+              </a:ext>
+            </a:extLst>
+          </p:cNvPr>
+          <p:cNvPicPr>
+            <a:picLocks noChangeAspect="1"/>
+          </p:cNvPicPr>
+          <p:nvPr/>
+        </p:nvPicPr>
+        <p:blipFill>
+          <a:blip r:embed="rId3"/>
+          <a:stretch>
+            <a:fillRect/>
+          </a:stretch>
+        </p:blipFill>
+        <p:spPr>
+          <a:xfrm>
+            <a:off x="2859243" y="479500"/>
+            <a:ext cx="2120543" cy="3221959"/>
+          </a:xfrm>
+          <a:prstGeom prst="rect">
+            <a:avLst/>
+          </a:prstGeom>
+        </p:spPr>
+      </p:pic>
+      <p:sp>
+        <p:nvSpPr>
+          <p:cNvPr id="23" name="TextBox 22">
+            <a:extLst>
+              <a:ext uri="{FF2B5EF4-FFF2-40B4-BE49-F238E27FC236}">
+                <a16:creationId xmlns:a16="http://schemas.microsoft.com/office/drawing/2014/main" id="{FAE2E879-518A-4C75-90B4-0A99C1D0781E}"/>
+              </a:ext>
+            </a:extLst>
+          </p:cNvPr>
+          <p:cNvSpPr txBox="1"/>
+          <p:nvPr/>
+        </p:nvSpPr>
+        <p:spPr>
+          <a:xfrm>
+            <a:off x="2809299" y="110169"/>
+            <a:ext cx="1850835" cy="369332"/>
+          </a:xfrm>
+          <a:prstGeom prst="rect">
+            <a:avLst/>
+          </a:prstGeom>
+          <a:noFill/>
+        </p:spPr>
+        <p:txBody>
+          <a:bodyPr wrap="square" rtlCol="0">
+            <a:spAutoFit/>
+          </a:bodyPr>
+          <a:lstStyle/>
+          <a:p>
+            <a:r>
+              <a:rPr lang="en-US" dirty="0"/>
+              <a:t>Toolbar Item</a:t>
+            </a:r>
+          </a:p>
+        </p:txBody>
+      </p:sp>
+    </p:spTree>
+    <p:extLst>
+      <p:ext uri="{BB962C8B-B14F-4D97-AF65-F5344CB8AC3E}">
+        <p14:creationId xmlns:p14="http://schemas.microsoft.com/office/powerpoint/2010/main" val="1083293004"/>
       </p:ext>
     </p:extLst>
   </p:cSld>

--- a/Excersie Screen Capture.pptx
+++ b/Excersie Screen Capture.pptx
@@ -7,6 +7,7 @@
   <p:sldIdLst>
     <p:sldId id="256" r:id="rId2"/>
     <p:sldId id="257" r:id="rId3"/>
+    <p:sldId id="258" r:id="rId4"/>
   </p:sldIdLst>
   <p:sldSz cx="12192000" cy="6858000"/>
   <p:notesSz cx="6858000" cy="9144000"/>
@@ -4057,10 +4058,306 @@
           </a:p>
         </p:txBody>
       </p:sp>
+      <p:pic>
+        <p:nvPicPr>
+          <p:cNvPr id="25" name="Picture 24">
+            <a:extLst>
+              <a:ext uri="{FF2B5EF4-FFF2-40B4-BE49-F238E27FC236}">
+                <a16:creationId xmlns:a16="http://schemas.microsoft.com/office/drawing/2014/main" id="{14416C8A-5516-4A1E-9E8E-16D7BEA1122E}"/>
+              </a:ext>
+            </a:extLst>
+          </p:cNvPr>
+          <p:cNvPicPr>
+            <a:picLocks noChangeAspect="1"/>
+          </p:cNvPicPr>
+          <p:nvPr/>
+        </p:nvPicPr>
+        <p:blipFill>
+          <a:blip r:embed="rId4"/>
+          <a:stretch>
+            <a:fillRect/>
+          </a:stretch>
+        </p:blipFill>
+        <p:spPr>
+          <a:xfrm>
+            <a:off x="5583966" y="474714"/>
+            <a:ext cx="2105807" cy="3226745"/>
+          </a:xfrm>
+          <a:prstGeom prst="rect">
+            <a:avLst/>
+          </a:prstGeom>
+        </p:spPr>
+      </p:pic>
+      <p:sp>
+        <p:nvSpPr>
+          <p:cNvPr id="26" name="TextBox 25">
+            <a:extLst>
+              <a:ext uri="{FF2B5EF4-FFF2-40B4-BE49-F238E27FC236}">
+                <a16:creationId xmlns:a16="http://schemas.microsoft.com/office/drawing/2014/main" id="{DEC5102C-BFAD-42C1-9AA4-E779913B2F24}"/>
+              </a:ext>
+            </a:extLst>
+          </p:cNvPr>
+          <p:cNvSpPr txBox="1"/>
+          <p:nvPr/>
+        </p:nvSpPr>
+        <p:spPr>
+          <a:xfrm>
+            <a:off x="5581475" y="110169"/>
+            <a:ext cx="2108298" cy="369332"/>
+          </a:xfrm>
+          <a:prstGeom prst="rect">
+            <a:avLst/>
+          </a:prstGeom>
+          <a:noFill/>
+        </p:spPr>
+        <p:txBody>
+          <a:bodyPr wrap="square" rtlCol="0">
+            <a:spAutoFit/>
+          </a:bodyPr>
+          <a:lstStyle/>
+          <a:p>
+            <a:r>
+              <a:rPr lang="en-US" dirty="0"/>
+              <a:t>Navigation Exercise</a:t>
+            </a:r>
+          </a:p>
+        </p:txBody>
+      </p:sp>
+      <p:pic>
+        <p:nvPicPr>
+          <p:cNvPr id="27" name="Picture 26">
+            <a:extLst>
+              <a:ext uri="{FF2B5EF4-FFF2-40B4-BE49-F238E27FC236}">
+                <a16:creationId xmlns:a16="http://schemas.microsoft.com/office/drawing/2014/main" id="{82EE6F40-8810-48EE-B006-8A3F201D6838}"/>
+              </a:ext>
+            </a:extLst>
+          </p:cNvPr>
+          <p:cNvPicPr>
+            <a:picLocks noChangeAspect="1"/>
+          </p:cNvPicPr>
+          <p:nvPr/>
+        </p:nvPicPr>
+        <p:blipFill>
+          <a:blip r:embed="rId5"/>
+          <a:stretch>
+            <a:fillRect/>
+          </a:stretch>
+        </p:blipFill>
+        <p:spPr>
+          <a:xfrm>
+            <a:off x="8611114" y="474714"/>
+            <a:ext cx="2163382" cy="3228329"/>
+          </a:xfrm>
+          <a:prstGeom prst="rect">
+            <a:avLst/>
+          </a:prstGeom>
+        </p:spPr>
+      </p:pic>
+      <p:cxnSp>
+        <p:nvCxnSpPr>
+          <p:cNvPr id="29" name="Straight Arrow Connector 28">
+            <a:extLst>
+              <a:ext uri="{FF2B5EF4-FFF2-40B4-BE49-F238E27FC236}">
+                <a16:creationId xmlns:a16="http://schemas.microsoft.com/office/drawing/2014/main" id="{1AF448F5-7680-4190-BE44-C0B21CE53C60}"/>
+              </a:ext>
+            </a:extLst>
+          </p:cNvPr>
+          <p:cNvCxnSpPr>
+            <a:cxnSpLocks/>
+          </p:cNvCxnSpPr>
+          <p:nvPr/>
+        </p:nvCxnSpPr>
+        <p:spPr>
+          <a:xfrm>
+            <a:off x="7788925" y="1927952"/>
+            <a:ext cx="638979" cy="0"/>
+          </a:xfrm>
+          <a:prstGeom prst="straightConnector1">
+            <a:avLst/>
+          </a:prstGeom>
+          <a:ln>
+            <a:tailEnd type="triangle"/>
+          </a:ln>
+        </p:spPr>
+        <p:style>
+          <a:lnRef idx="1">
+            <a:schemeClr val="accent1"/>
+          </a:lnRef>
+          <a:fillRef idx="0">
+            <a:schemeClr val="accent1"/>
+          </a:fillRef>
+          <a:effectRef idx="0">
+            <a:schemeClr val="accent1"/>
+          </a:effectRef>
+          <a:fontRef idx="minor">
+            <a:schemeClr val="tx1"/>
+          </a:fontRef>
+        </p:style>
+      </p:cxnSp>
     </p:spTree>
     <p:extLst>
       <p:ext uri="{BB962C8B-B14F-4D97-AF65-F5344CB8AC3E}">
         <p14:creationId xmlns:p14="http://schemas.microsoft.com/office/powerpoint/2010/main" val="1083293004"/>
+      </p:ext>
+    </p:extLst>
+  </p:cSld>
+  <p:clrMapOvr>
+    <a:masterClrMapping/>
+  </p:clrMapOvr>
+</p:sld>
+</file>
+
+<file path=ppt/slides/slide3.xml><?xml version="1.0" encoding="utf-8"?>
+<p:sld xmlns:a="http://schemas.openxmlformats.org/drawingml/2006/main" xmlns:r="http://schemas.openxmlformats.org/officeDocument/2006/relationships" xmlns:p="http://schemas.openxmlformats.org/presentationml/2006/main">
+  <p:cSld>
+    <p:spTree>
+      <p:nvGrpSpPr>
+        <p:cNvPr id="1" name=""/>
+        <p:cNvGrpSpPr/>
+        <p:nvPr/>
+      </p:nvGrpSpPr>
+      <p:grpSpPr>
+        <a:xfrm>
+          <a:off x="0" y="0"/>
+          <a:ext cx="0" cy="0"/>
+          <a:chOff x="0" y="0"/>
+          <a:chExt cx="0" cy="0"/>
+        </a:xfrm>
+      </p:grpSpPr>
+      <p:sp>
+        <p:nvSpPr>
+          <p:cNvPr id="19" name="TextBox 18">
+            <a:extLst>
+              <a:ext uri="{FF2B5EF4-FFF2-40B4-BE49-F238E27FC236}">
+                <a16:creationId xmlns:a16="http://schemas.microsoft.com/office/drawing/2014/main" id="{98F534B7-E45E-4F07-8E12-77B78BEA9F2C}"/>
+              </a:ext>
+            </a:extLst>
+          </p:cNvPr>
+          <p:cNvSpPr txBox="1"/>
+          <p:nvPr/>
+        </p:nvSpPr>
+        <p:spPr>
+          <a:xfrm>
+            <a:off x="132201" y="110169"/>
+            <a:ext cx="1850835" cy="369332"/>
+          </a:xfrm>
+          <a:prstGeom prst="rect">
+            <a:avLst/>
+          </a:prstGeom>
+          <a:noFill/>
+        </p:spPr>
+        <p:txBody>
+          <a:bodyPr wrap="square" rtlCol="0">
+            <a:spAutoFit/>
+          </a:bodyPr>
+          <a:lstStyle/>
+          <a:p>
+            <a:r>
+              <a:rPr lang="en-US" dirty="0"/>
+              <a:t>Switch</a:t>
+            </a:r>
+          </a:p>
+        </p:txBody>
+      </p:sp>
+      <p:sp>
+        <p:nvSpPr>
+          <p:cNvPr id="23" name="TextBox 22">
+            <a:extLst>
+              <a:ext uri="{FF2B5EF4-FFF2-40B4-BE49-F238E27FC236}">
+                <a16:creationId xmlns:a16="http://schemas.microsoft.com/office/drawing/2014/main" id="{FAE2E879-518A-4C75-90B4-0A99C1D0781E}"/>
+              </a:ext>
+            </a:extLst>
+          </p:cNvPr>
+          <p:cNvSpPr txBox="1"/>
+          <p:nvPr/>
+        </p:nvSpPr>
+        <p:spPr>
+          <a:xfrm>
+            <a:off x="2809299" y="110169"/>
+            <a:ext cx="1850835" cy="369332"/>
+          </a:xfrm>
+          <a:prstGeom prst="rect">
+            <a:avLst/>
+          </a:prstGeom>
+          <a:noFill/>
+        </p:spPr>
+        <p:txBody>
+          <a:bodyPr wrap="square" rtlCol="0">
+            <a:spAutoFit/>
+          </a:bodyPr>
+          <a:lstStyle/>
+          <a:p>
+            <a:r>
+              <a:rPr lang="en-US" dirty="0"/>
+              <a:t>Slider</a:t>
+            </a:r>
+          </a:p>
+        </p:txBody>
+      </p:sp>
+      <p:pic>
+        <p:nvPicPr>
+          <p:cNvPr id="24" name="Picture 23">
+            <a:extLst>
+              <a:ext uri="{FF2B5EF4-FFF2-40B4-BE49-F238E27FC236}">
+                <a16:creationId xmlns:a16="http://schemas.microsoft.com/office/drawing/2014/main" id="{282E1877-51D4-4A16-8177-E300E5A82C43}"/>
+              </a:ext>
+            </a:extLst>
+          </p:cNvPr>
+          <p:cNvPicPr>
+            <a:picLocks noChangeAspect="1"/>
+          </p:cNvPicPr>
+          <p:nvPr/>
+        </p:nvPicPr>
+        <p:blipFill>
+          <a:blip r:embed="rId2"/>
+          <a:stretch>
+            <a:fillRect/>
+          </a:stretch>
+        </p:blipFill>
+        <p:spPr>
+          <a:xfrm>
+            <a:off x="2919976" y="479501"/>
+            <a:ext cx="1949479" cy="2977711"/>
+          </a:xfrm>
+          <a:prstGeom prst="rect">
+            <a:avLst/>
+          </a:prstGeom>
+        </p:spPr>
+      </p:pic>
+      <p:pic>
+        <p:nvPicPr>
+          <p:cNvPr id="2" name="Picture 1">
+            <a:extLst>
+              <a:ext uri="{FF2B5EF4-FFF2-40B4-BE49-F238E27FC236}">
+                <a16:creationId xmlns:a16="http://schemas.microsoft.com/office/drawing/2014/main" id="{CD100853-8ACD-44ED-888E-030C82BCF58F}"/>
+              </a:ext>
+            </a:extLst>
+          </p:cNvPr>
+          <p:cNvPicPr>
+            <a:picLocks noChangeAspect="1"/>
+          </p:cNvPicPr>
+          <p:nvPr/>
+        </p:nvPicPr>
+        <p:blipFill>
+          <a:blip r:embed="rId3"/>
+          <a:stretch>
+            <a:fillRect/>
+          </a:stretch>
+        </p:blipFill>
+        <p:spPr>
+          <a:xfrm>
+            <a:off x="226499" y="479501"/>
+            <a:ext cx="1965857" cy="3020708"/>
+          </a:xfrm>
+          <a:prstGeom prst="rect">
+            <a:avLst/>
+          </a:prstGeom>
+        </p:spPr>
+      </p:pic>
+    </p:spTree>
+    <p:extLst>
+      <p:ext uri="{BB962C8B-B14F-4D97-AF65-F5344CB8AC3E}">
+        <p14:creationId xmlns:p14="http://schemas.microsoft.com/office/powerpoint/2010/main" val="3814574647"/>
       </p:ext>
     </p:extLst>
   </p:cSld>

--- a/Excersie Screen Capture.pptx
+++ b/Excersie Screen Capture.pptx
@@ -8,6 +8,7 @@
     <p:sldId id="256" r:id="rId2"/>
     <p:sldId id="257" r:id="rId3"/>
     <p:sldId id="258" r:id="rId4"/>
+    <p:sldId id="259" r:id="rId5"/>
   </p:sldIdLst>
   <p:sldSz cx="12192000" cy="6858000"/>
   <p:notesSz cx="6858000" cy="9144000"/>
@@ -265,7 +266,7 @@
           <a:p>
             <a:fld id="{DD5A4D58-816D-4789-828A-A432632AD231}" type="datetimeFigureOut">
               <a:rPr lang="en-US" smtClean="0"/>
-              <a:t>10/19/2017</a:t>
+              <a:t>10/22/2017</a:t>
             </a:fld>
             <a:endParaRPr lang="en-US"/>
           </a:p>
@@ -463,7 +464,7 @@
           <a:p>
             <a:fld id="{DD5A4D58-816D-4789-828A-A432632AD231}" type="datetimeFigureOut">
               <a:rPr lang="en-US" smtClean="0"/>
-              <a:t>10/19/2017</a:t>
+              <a:t>10/22/2017</a:t>
             </a:fld>
             <a:endParaRPr lang="en-US"/>
           </a:p>
@@ -671,7 +672,7 @@
           <a:p>
             <a:fld id="{DD5A4D58-816D-4789-828A-A432632AD231}" type="datetimeFigureOut">
               <a:rPr lang="en-US" smtClean="0"/>
-              <a:t>10/19/2017</a:t>
+              <a:t>10/22/2017</a:t>
             </a:fld>
             <a:endParaRPr lang="en-US"/>
           </a:p>
@@ -869,7 +870,7 @@
           <a:p>
             <a:fld id="{DD5A4D58-816D-4789-828A-A432632AD231}" type="datetimeFigureOut">
               <a:rPr lang="en-US" smtClean="0"/>
-              <a:t>10/19/2017</a:t>
+              <a:t>10/22/2017</a:t>
             </a:fld>
             <a:endParaRPr lang="en-US"/>
           </a:p>
@@ -1144,7 +1145,7 @@
           <a:p>
             <a:fld id="{DD5A4D58-816D-4789-828A-A432632AD231}" type="datetimeFigureOut">
               <a:rPr lang="en-US" smtClean="0"/>
-              <a:t>10/19/2017</a:t>
+              <a:t>10/22/2017</a:t>
             </a:fld>
             <a:endParaRPr lang="en-US"/>
           </a:p>
@@ -1409,7 +1410,7 @@
           <a:p>
             <a:fld id="{DD5A4D58-816D-4789-828A-A432632AD231}" type="datetimeFigureOut">
               <a:rPr lang="en-US" smtClean="0"/>
-              <a:t>10/19/2017</a:t>
+              <a:t>10/22/2017</a:t>
             </a:fld>
             <a:endParaRPr lang="en-US"/>
           </a:p>
@@ -1821,7 +1822,7 @@
           <a:p>
             <a:fld id="{DD5A4D58-816D-4789-828A-A432632AD231}" type="datetimeFigureOut">
               <a:rPr lang="en-US" smtClean="0"/>
-              <a:t>10/19/2017</a:t>
+              <a:t>10/22/2017</a:t>
             </a:fld>
             <a:endParaRPr lang="en-US"/>
           </a:p>
@@ -1962,7 +1963,7 @@
           <a:p>
             <a:fld id="{DD5A4D58-816D-4789-828A-A432632AD231}" type="datetimeFigureOut">
               <a:rPr lang="en-US" smtClean="0"/>
-              <a:t>10/19/2017</a:t>
+              <a:t>10/22/2017</a:t>
             </a:fld>
             <a:endParaRPr lang="en-US"/>
           </a:p>
@@ -2075,7 +2076,7 @@
           <a:p>
             <a:fld id="{DD5A4D58-816D-4789-828A-A432632AD231}" type="datetimeFigureOut">
               <a:rPr lang="en-US" smtClean="0"/>
-              <a:t>10/19/2017</a:t>
+              <a:t>10/22/2017</a:t>
             </a:fld>
             <a:endParaRPr lang="en-US"/>
           </a:p>
@@ -2386,7 +2387,7 @@
           <a:p>
             <a:fld id="{DD5A4D58-816D-4789-828A-A432632AD231}" type="datetimeFigureOut">
               <a:rPr lang="en-US" smtClean="0"/>
-              <a:t>10/19/2017</a:t>
+              <a:t>10/22/2017</a:t>
             </a:fld>
             <a:endParaRPr lang="en-US"/>
           </a:p>
@@ -2674,7 +2675,7 @@
           <a:p>
             <a:fld id="{DD5A4D58-816D-4789-828A-A432632AD231}" type="datetimeFigureOut">
               <a:rPr lang="en-US" smtClean="0"/>
-              <a:t>10/19/2017</a:t>
+              <a:t>10/22/2017</a:t>
             </a:fld>
             <a:endParaRPr lang="en-US"/>
           </a:p>
@@ -2915,7 +2916,7 @@
           <a:p>
             <a:fld id="{DD5A4D58-816D-4789-828A-A432632AD231}" type="datetimeFigureOut">
               <a:rPr lang="en-US" smtClean="0"/>
-              <a:t>10/19/2017</a:t>
+              <a:t>10/22/2017</a:t>
             </a:fld>
             <a:endParaRPr lang="en-US"/>
           </a:p>
@@ -4354,10 +4355,498 @@
           </a:prstGeom>
         </p:spPr>
       </p:pic>
+      <p:sp>
+        <p:nvSpPr>
+          <p:cNvPr id="6" name="TextBox 5">
+            <a:extLst>
+              <a:ext uri="{FF2B5EF4-FFF2-40B4-BE49-F238E27FC236}">
+                <a16:creationId xmlns:a16="http://schemas.microsoft.com/office/drawing/2014/main" id="{474C37F0-2DF5-4F1E-9C12-0916E569E958}"/>
+              </a:ext>
+            </a:extLst>
+          </p:cNvPr>
+          <p:cNvSpPr txBox="1"/>
+          <p:nvPr/>
+        </p:nvSpPr>
+        <p:spPr>
+          <a:xfrm>
+            <a:off x="132201" y="3580483"/>
+            <a:ext cx="1850835" cy="369332"/>
+          </a:xfrm>
+          <a:prstGeom prst="rect">
+            <a:avLst/>
+          </a:prstGeom>
+          <a:noFill/>
+        </p:spPr>
+        <p:txBody>
+          <a:bodyPr wrap="square" rtlCol="0">
+            <a:spAutoFit/>
+          </a:bodyPr>
+          <a:lstStyle/>
+          <a:p>
+            <a:r>
+              <a:rPr lang="en-US" dirty="0"/>
+              <a:t>Entry, Editor</a:t>
+            </a:r>
+          </a:p>
+        </p:txBody>
+      </p:sp>
+      <p:pic>
+        <p:nvPicPr>
+          <p:cNvPr id="3" name="Picture 2">
+            <a:extLst>
+              <a:ext uri="{FF2B5EF4-FFF2-40B4-BE49-F238E27FC236}">
+                <a16:creationId xmlns:a16="http://schemas.microsoft.com/office/drawing/2014/main" id="{117A797A-EFF3-4917-A2CF-0A468757589E}"/>
+              </a:ext>
+            </a:extLst>
+          </p:cNvPr>
+          <p:cNvPicPr>
+            <a:picLocks noChangeAspect="1"/>
+          </p:cNvPicPr>
+          <p:nvPr/>
+        </p:nvPicPr>
+        <p:blipFill>
+          <a:blip r:embed="rId4"/>
+          <a:stretch>
+            <a:fillRect/>
+          </a:stretch>
+        </p:blipFill>
+        <p:spPr>
+          <a:xfrm>
+            <a:off x="226499" y="3869541"/>
+            <a:ext cx="1907733" cy="2916687"/>
+          </a:xfrm>
+          <a:prstGeom prst="rect">
+            <a:avLst/>
+          </a:prstGeom>
+        </p:spPr>
+      </p:pic>
+      <p:pic>
+        <p:nvPicPr>
+          <p:cNvPr id="4" name="Picture 3">
+            <a:extLst>
+              <a:ext uri="{FF2B5EF4-FFF2-40B4-BE49-F238E27FC236}">
+                <a16:creationId xmlns:a16="http://schemas.microsoft.com/office/drawing/2014/main" id="{152B9372-1F02-45C3-B400-D1E9C11A1101}"/>
+              </a:ext>
+            </a:extLst>
+          </p:cNvPr>
+          <p:cNvPicPr>
+            <a:picLocks noChangeAspect="1"/>
+          </p:cNvPicPr>
+          <p:nvPr/>
+        </p:nvPicPr>
+        <p:blipFill>
+          <a:blip r:embed="rId5"/>
+          <a:stretch>
+            <a:fillRect/>
+          </a:stretch>
+        </p:blipFill>
+        <p:spPr>
+          <a:xfrm>
+            <a:off x="2566929" y="3869541"/>
+            <a:ext cx="1871722" cy="2894236"/>
+          </a:xfrm>
+          <a:prstGeom prst="rect">
+            <a:avLst/>
+          </a:prstGeom>
+        </p:spPr>
+      </p:pic>
+      <p:pic>
+        <p:nvPicPr>
+          <p:cNvPr id="5" name="Picture 4">
+            <a:extLst>
+              <a:ext uri="{FF2B5EF4-FFF2-40B4-BE49-F238E27FC236}">
+                <a16:creationId xmlns:a16="http://schemas.microsoft.com/office/drawing/2014/main" id="{F4EEEE21-2960-42BC-BA34-A13CE8E1A4B9}"/>
+              </a:ext>
+            </a:extLst>
+          </p:cNvPr>
+          <p:cNvPicPr>
+            <a:picLocks noChangeAspect="1"/>
+          </p:cNvPicPr>
+          <p:nvPr/>
+        </p:nvPicPr>
+        <p:blipFill>
+          <a:blip r:embed="rId6"/>
+          <a:stretch>
+            <a:fillRect/>
+          </a:stretch>
+        </p:blipFill>
+        <p:spPr>
+          <a:xfrm>
+            <a:off x="4869455" y="3869541"/>
+            <a:ext cx="1875910" cy="2865339"/>
+          </a:xfrm>
+          <a:prstGeom prst="rect">
+            <a:avLst/>
+          </a:prstGeom>
+        </p:spPr>
+      </p:pic>
+      <p:sp>
+        <p:nvSpPr>
+          <p:cNvPr id="10" name="TextBox 9">
+            <a:extLst>
+              <a:ext uri="{FF2B5EF4-FFF2-40B4-BE49-F238E27FC236}">
+                <a16:creationId xmlns:a16="http://schemas.microsoft.com/office/drawing/2014/main" id="{F269E877-6A03-4022-BE27-BD05FBAD3FF8}"/>
+              </a:ext>
+            </a:extLst>
+          </p:cNvPr>
+          <p:cNvSpPr txBox="1"/>
+          <p:nvPr/>
+        </p:nvSpPr>
+        <p:spPr>
+          <a:xfrm>
+            <a:off x="2565036" y="3580483"/>
+            <a:ext cx="1850835" cy="369332"/>
+          </a:xfrm>
+          <a:prstGeom prst="rect">
+            <a:avLst/>
+          </a:prstGeom>
+          <a:noFill/>
+        </p:spPr>
+        <p:txBody>
+          <a:bodyPr wrap="square" rtlCol="0">
+            <a:spAutoFit/>
+          </a:bodyPr>
+          <a:lstStyle/>
+          <a:p>
+            <a:r>
+              <a:rPr lang="en-US" dirty="0"/>
+              <a:t>Entry, Editor</a:t>
+            </a:r>
+          </a:p>
+        </p:txBody>
+      </p:sp>
+      <p:sp>
+        <p:nvSpPr>
+          <p:cNvPr id="11" name="TextBox 10">
+            <a:extLst>
+              <a:ext uri="{FF2B5EF4-FFF2-40B4-BE49-F238E27FC236}">
+                <a16:creationId xmlns:a16="http://schemas.microsoft.com/office/drawing/2014/main" id="{6B57AD2F-A458-4A06-907F-9BAA27E31C93}"/>
+              </a:ext>
+            </a:extLst>
+          </p:cNvPr>
+          <p:cNvSpPr txBox="1"/>
+          <p:nvPr/>
+        </p:nvSpPr>
+        <p:spPr>
+          <a:xfrm>
+            <a:off x="4869455" y="3580483"/>
+            <a:ext cx="1850835" cy="369332"/>
+          </a:xfrm>
+          <a:prstGeom prst="rect">
+            <a:avLst/>
+          </a:prstGeom>
+          <a:noFill/>
+        </p:spPr>
+        <p:txBody>
+          <a:bodyPr wrap="square" rtlCol="0">
+            <a:spAutoFit/>
+          </a:bodyPr>
+          <a:lstStyle/>
+          <a:p>
+            <a:r>
+              <a:rPr lang="en-US" dirty="0"/>
+              <a:t>Entry, Editor</a:t>
+            </a:r>
+          </a:p>
+        </p:txBody>
+      </p:sp>
+      <p:pic>
+        <p:nvPicPr>
+          <p:cNvPr id="7" name="Picture 6">
+            <a:extLst>
+              <a:ext uri="{FF2B5EF4-FFF2-40B4-BE49-F238E27FC236}">
+                <a16:creationId xmlns:a16="http://schemas.microsoft.com/office/drawing/2014/main" id="{D394A58C-A4E5-4DCC-AE32-1368617AC241}"/>
+              </a:ext>
+            </a:extLst>
+          </p:cNvPr>
+          <p:cNvPicPr>
+            <a:picLocks noChangeAspect="1"/>
+          </p:cNvPicPr>
+          <p:nvPr/>
+        </p:nvPicPr>
+        <p:blipFill>
+          <a:blip r:embed="rId7"/>
+          <a:stretch>
+            <a:fillRect/>
+          </a:stretch>
+        </p:blipFill>
+        <p:spPr>
+          <a:xfrm>
+            <a:off x="7342982" y="3854691"/>
+            <a:ext cx="1878135" cy="2880189"/>
+          </a:xfrm>
+          <a:prstGeom prst="rect">
+            <a:avLst/>
+          </a:prstGeom>
+        </p:spPr>
+      </p:pic>
+      <p:sp>
+        <p:nvSpPr>
+          <p:cNvPr id="13" name="TextBox 12">
+            <a:extLst>
+              <a:ext uri="{FF2B5EF4-FFF2-40B4-BE49-F238E27FC236}">
+                <a16:creationId xmlns:a16="http://schemas.microsoft.com/office/drawing/2014/main" id="{A727D172-B78B-424D-BE3F-FDF0CB8CB89D}"/>
+              </a:ext>
+            </a:extLst>
+          </p:cNvPr>
+          <p:cNvSpPr txBox="1"/>
+          <p:nvPr/>
+        </p:nvSpPr>
+        <p:spPr>
+          <a:xfrm>
+            <a:off x="7317907" y="3580483"/>
+            <a:ext cx="1850835" cy="369332"/>
+          </a:xfrm>
+          <a:prstGeom prst="rect">
+            <a:avLst/>
+          </a:prstGeom>
+          <a:noFill/>
+        </p:spPr>
+        <p:txBody>
+          <a:bodyPr wrap="square" rtlCol="0">
+            <a:spAutoFit/>
+          </a:bodyPr>
+          <a:lstStyle/>
+          <a:p>
+            <a:r>
+              <a:rPr lang="en-US" dirty="0"/>
+              <a:t>Picker</a:t>
+            </a:r>
+          </a:p>
+        </p:txBody>
+      </p:sp>
     </p:spTree>
     <p:extLst>
       <p:ext uri="{BB962C8B-B14F-4D97-AF65-F5344CB8AC3E}">
         <p14:creationId xmlns:p14="http://schemas.microsoft.com/office/powerpoint/2010/main" val="3814574647"/>
+      </p:ext>
+    </p:extLst>
+  </p:cSld>
+  <p:clrMapOvr>
+    <a:masterClrMapping/>
+  </p:clrMapOvr>
+</p:sld>
+</file>
+
+<file path=ppt/slides/slide4.xml><?xml version="1.0" encoding="utf-8"?>
+<p:sld xmlns:a="http://schemas.openxmlformats.org/drawingml/2006/main" xmlns:r="http://schemas.openxmlformats.org/officeDocument/2006/relationships" xmlns:p="http://schemas.openxmlformats.org/presentationml/2006/main">
+  <p:cSld>
+    <p:spTree>
+      <p:nvGrpSpPr>
+        <p:cNvPr id="1" name=""/>
+        <p:cNvGrpSpPr/>
+        <p:nvPr/>
+      </p:nvGrpSpPr>
+      <p:grpSpPr>
+        <a:xfrm>
+          <a:off x="0" y="0"/>
+          <a:ext cx="0" cy="0"/>
+          <a:chOff x="0" y="0"/>
+          <a:chExt cx="0" cy="0"/>
+        </a:xfrm>
+      </p:grpSpPr>
+      <p:sp>
+        <p:nvSpPr>
+          <p:cNvPr id="19" name="TextBox 18">
+            <a:extLst>
+              <a:ext uri="{FF2B5EF4-FFF2-40B4-BE49-F238E27FC236}">
+                <a16:creationId xmlns:a16="http://schemas.microsoft.com/office/drawing/2014/main" id="{98F534B7-E45E-4F07-8E12-77B78BEA9F2C}"/>
+              </a:ext>
+            </a:extLst>
+          </p:cNvPr>
+          <p:cNvSpPr txBox="1"/>
+          <p:nvPr/>
+        </p:nvSpPr>
+        <p:spPr>
+          <a:xfrm>
+            <a:off x="132201" y="110169"/>
+            <a:ext cx="1850835" cy="369332"/>
+          </a:xfrm>
+          <a:prstGeom prst="rect">
+            <a:avLst/>
+          </a:prstGeom>
+          <a:noFill/>
+        </p:spPr>
+        <p:txBody>
+          <a:bodyPr wrap="square" rtlCol="0">
+            <a:spAutoFit/>
+          </a:bodyPr>
+          <a:lstStyle/>
+          <a:p>
+            <a:r>
+              <a:rPr lang="en-US" dirty="0" err="1"/>
+              <a:t>DatePicker</a:t>
+            </a:r>
+            <a:endParaRPr lang="en-US" dirty="0"/>
+          </a:p>
+        </p:txBody>
+      </p:sp>
+      <p:sp>
+        <p:nvSpPr>
+          <p:cNvPr id="23" name="TextBox 22">
+            <a:extLst>
+              <a:ext uri="{FF2B5EF4-FFF2-40B4-BE49-F238E27FC236}">
+                <a16:creationId xmlns:a16="http://schemas.microsoft.com/office/drawing/2014/main" id="{FAE2E879-518A-4C75-90B4-0A99C1D0781E}"/>
+              </a:ext>
+            </a:extLst>
+          </p:cNvPr>
+          <p:cNvSpPr txBox="1"/>
+          <p:nvPr/>
+        </p:nvSpPr>
+        <p:spPr>
+          <a:xfrm>
+            <a:off x="2809299" y="110169"/>
+            <a:ext cx="1850835" cy="369332"/>
+          </a:xfrm>
+          <a:prstGeom prst="rect">
+            <a:avLst/>
+          </a:prstGeom>
+          <a:noFill/>
+        </p:spPr>
+        <p:txBody>
+          <a:bodyPr wrap="square" rtlCol="0">
+            <a:spAutoFit/>
+          </a:bodyPr>
+          <a:lstStyle/>
+          <a:p>
+            <a:r>
+              <a:rPr lang="en-US" dirty="0" err="1"/>
+              <a:t>TimePicker</a:t>
+            </a:r>
+            <a:endParaRPr lang="en-US" dirty="0"/>
+          </a:p>
+        </p:txBody>
+      </p:sp>
+      <p:pic>
+        <p:nvPicPr>
+          <p:cNvPr id="8" name="Picture 7">
+            <a:extLst>
+              <a:ext uri="{FF2B5EF4-FFF2-40B4-BE49-F238E27FC236}">
+                <a16:creationId xmlns:a16="http://schemas.microsoft.com/office/drawing/2014/main" id="{8724B758-DF69-4A3E-9495-B5815ADEC076}"/>
+              </a:ext>
+            </a:extLst>
+          </p:cNvPr>
+          <p:cNvPicPr>
+            <a:picLocks noChangeAspect="1"/>
+          </p:cNvPicPr>
+          <p:nvPr/>
+        </p:nvPicPr>
+        <p:blipFill>
+          <a:blip r:embed="rId2"/>
+          <a:stretch>
+            <a:fillRect/>
+          </a:stretch>
+        </p:blipFill>
+        <p:spPr>
+          <a:xfrm>
+            <a:off x="132201" y="479501"/>
+            <a:ext cx="2124046" cy="3236945"/>
+          </a:xfrm>
+          <a:prstGeom prst="rect">
+            <a:avLst/>
+          </a:prstGeom>
+        </p:spPr>
+      </p:pic>
+      <p:pic>
+        <p:nvPicPr>
+          <p:cNvPr id="9" name="Picture 8">
+            <a:extLst>
+              <a:ext uri="{FF2B5EF4-FFF2-40B4-BE49-F238E27FC236}">
+                <a16:creationId xmlns:a16="http://schemas.microsoft.com/office/drawing/2014/main" id="{F1F5D52C-EC29-4CD6-A643-7AD1FDF2D060}"/>
+              </a:ext>
+            </a:extLst>
+          </p:cNvPr>
+          <p:cNvPicPr>
+            <a:picLocks noChangeAspect="1"/>
+          </p:cNvPicPr>
+          <p:nvPr/>
+        </p:nvPicPr>
+        <p:blipFill>
+          <a:blip r:embed="rId3"/>
+          <a:stretch>
+            <a:fillRect/>
+          </a:stretch>
+        </p:blipFill>
+        <p:spPr>
+          <a:xfrm>
+            <a:off x="2952016" y="479501"/>
+            <a:ext cx="2103985" cy="3255707"/>
+          </a:xfrm>
+          <a:prstGeom prst="rect">
+            <a:avLst/>
+          </a:prstGeom>
+        </p:spPr>
+      </p:pic>
+      <p:pic>
+        <p:nvPicPr>
+          <p:cNvPr id="12" name="Picture 11">
+            <a:extLst>
+              <a:ext uri="{FF2B5EF4-FFF2-40B4-BE49-F238E27FC236}">
+                <a16:creationId xmlns:a16="http://schemas.microsoft.com/office/drawing/2014/main" id="{801178EB-5FD4-4207-BA59-45AEE24313D6}"/>
+              </a:ext>
+            </a:extLst>
+          </p:cNvPr>
+          <p:cNvPicPr>
+            <a:picLocks noChangeAspect="1"/>
+          </p:cNvPicPr>
+          <p:nvPr/>
+        </p:nvPicPr>
+        <p:blipFill>
+          <a:blip r:embed="rId4"/>
+          <a:stretch>
+            <a:fillRect/>
+          </a:stretch>
+        </p:blipFill>
+        <p:spPr>
+          <a:xfrm>
+            <a:off x="6178595" y="479502"/>
+            <a:ext cx="2139140" cy="3253812"/>
+          </a:xfrm>
+          <a:prstGeom prst="rect">
+            <a:avLst/>
+          </a:prstGeom>
+        </p:spPr>
+      </p:pic>
+      <p:sp>
+        <p:nvSpPr>
+          <p:cNvPr id="17" name="TextBox 16">
+            <a:extLst>
+              <a:ext uri="{FF2B5EF4-FFF2-40B4-BE49-F238E27FC236}">
+                <a16:creationId xmlns:a16="http://schemas.microsoft.com/office/drawing/2014/main" id="{009DE5DF-10CA-435B-9667-B42BBD48D028}"/>
+              </a:ext>
+            </a:extLst>
+          </p:cNvPr>
+          <p:cNvSpPr txBox="1"/>
+          <p:nvPr/>
+        </p:nvSpPr>
+        <p:spPr>
+          <a:xfrm>
+            <a:off x="6178595" y="110169"/>
+            <a:ext cx="1850835" cy="369332"/>
+          </a:xfrm>
+          <a:prstGeom prst="rect">
+            <a:avLst/>
+          </a:prstGeom>
+          <a:noFill/>
+        </p:spPr>
+        <p:txBody>
+          <a:bodyPr wrap="square" rtlCol="0">
+            <a:spAutoFit/>
+          </a:bodyPr>
+          <a:lstStyle/>
+          <a:p>
+            <a:r>
+              <a:rPr lang="en-US" dirty="0" err="1"/>
+              <a:t>TableView</a:t>
+            </a:r>
+            <a:endParaRPr lang="en-US" dirty="0"/>
+          </a:p>
+        </p:txBody>
+      </p:sp>
+    </p:spTree>
+    <p:extLst>
+      <p:ext uri="{BB962C8B-B14F-4D97-AF65-F5344CB8AC3E}">
+        <p14:creationId xmlns:p14="http://schemas.microsoft.com/office/powerpoint/2010/main" val="237870267"/>
       </p:ext>
     </p:extLst>
   </p:cSld>

--- a/Excersie Screen Capture.pptx
+++ b/Excersie Screen Capture.pptx
@@ -4843,6 +4843,353 @@
           </a:p>
         </p:txBody>
       </p:sp>
+      <p:pic>
+        <p:nvPicPr>
+          <p:cNvPr id="14" name="Picture 13">
+            <a:extLst>
+              <a:ext uri="{FF2B5EF4-FFF2-40B4-BE49-F238E27FC236}">
+                <a16:creationId xmlns:a16="http://schemas.microsoft.com/office/drawing/2014/main" id="{1FB3F7A0-E468-4C5C-9207-A43BE966A811}"/>
+              </a:ext>
+            </a:extLst>
+          </p:cNvPr>
+          <p:cNvPicPr>
+            <a:picLocks noChangeAspect="1"/>
+          </p:cNvPicPr>
+          <p:nvPr/>
+        </p:nvPicPr>
+        <p:blipFill>
+          <a:blip r:embed="rId5"/>
+          <a:stretch>
+            <a:fillRect/>
+          </a:stretch>
+        </p:blipFill>
+        <p:spPr>
+          <a:xfrm>
+            <a:off x="132201" y="4085778"/>
+            <a:ext cx="1761118" cy="2695371"/>
+          </a:xfrm>
+          <a:prstGeom prst="rect">
+            <a:avLst/>
+          </a:prstGeom>
+        </p:spPr>
+      </p:pic>
+      <p:sp>
+        <p:nvSpPr>
+          <p:cNvPr id="20" name="TextBox 19">
+            <a:extLst>
+              <a:ext uri="{FF2B5EF4-FFF2-40B4-BE49-F238E27FC236}">
+                <a16:creationId xmlns:a16="http://schemas.microsoft.com/office/drawing/2014/main" id="{66E25FFD-20AD-434D-BDF7-D52E0A7E1EB7}"/>
+              </a:ext>
+            </a:extLst>
+          </p:cNvPr>
+          <p:cNvSpPr txBox="1"/>
+          <p:nvPr/>
+        </p:nvSpPr>
+        <p:spPr>
+          <a:xfrm>
+            <a:off x="132201" y="3716446"/>
+            <a:ext cx="3701669" cy="369332"/>
+          </a:xfrm>
+          <a:prstGeom prst="rect">
+            <a:avLst/>
+          </a:prstGeom>
+          <a:noFill/>
+        </p:spPr>
+        <p:txBody>
+          <a:bodyPr wrap="square" rtlCol="0">
+            <a:spAutoFit/>
+          </a:bodyPr>
+          <a:lstStyle/>
+          <a:p>
+            <a:r>
+              <a:rPr lang="en-US" dirty="0"/>
+              <a:t>Page Navigation and Table Exercise</a:t>
+            </a:r>
+          </a:p>
+        </p:txBody>
+      </p:sp>
+      <p:cxnSp>
+        <p:nvCxnSpPr>
+          <p:cNvPr id="16" name="Straight Arrow Connector 15">
+            <a:extLst>
+              <a:ext uri="{FF2B5EF4-FFF2-40B4-BE49-F238E27FC236}">
+                <a16:creationId xmlns:a16="http://schemas.microsoft.com/office/drawing/2014/main" id="{9ABE563B-770E-4ED5-8068-3EE5484952E7}"/>
+              </a:ext>
+            </a:extLst>
+          </p:cNvPr>
+          <p:cNvCxnSpPr>
+            <a:cxnSpLocks/>
+          </p:cNvCxnSpPr>
+          <p:nvPr/>
+        </p:nvCxnSpPr>
+        <p:spPr>
+          <a:xfrm>
+            <a:off x="2060154" y="5233012"/>
+            <a:ext cx="2699133" cy="0"/>
+          </a:xfrm>
+          <a:prstGeom prst="straightConnector1">
+            <a:avLst/>
+          </a:prstGeom>
+          <a:ln>
+            <a:tailEnd type="triangle"/>
+          </a:ln>
+        </p:spPr>
+        <p:style>
+          <a:lnRef idx="1">
+            <a:schemeClr val="accent1"/>
+          </a:lnRef>
+          <a:fillRef idx="0">
+            <a:schemeClr val="accent1"/>
+          </a:fillRef>
+          <a:effectRef idx="0">
+            <a:schemeClr val="accent1"/>
+          </a:effectRef>
+          <a:fontRef idx="minor">
+            <a:schemeClr val="tx1"/>
+          </a:fontRef>
+        </p:style>
+      </p:cxnSp>
+      <p:pic>
+        <p:nvPicPr>
+          <p:cNvPr id="18" name="Picture 17">
+            <a:extLst>
+              <a:ext uri="{FF2B5EF4-FFF2-40B4-BE49-F238E27FC236}">
+                <a16:creationId xmlns:a16="http://schemas.microsoft.com/office/drawing/2014/main" id="{F56C74AF-0B88-44AF-BFC1-E99C4A7FBC97}"/>
+              </a:ext>
+            </a:extLst>
+          </p:cNvPr>
+          <p:cNvPicPr>
+            <a:picLocks noChangeAspect="1"/>
+          </p:cNvPicPr>
+          <p:nvPr/>
+        </p:nvPicPr>
+        <p:blipFill>
+          <a:blip r:embed="rId6"/>
+          <a:stretch>
+            <a:fillRect/>
+          </a:stretch>
+        </p:blipFill>
+        <p:spPr>
+          <a:xfrm>
+            <a:off x="2735489" y="4025600"/>
+            <a:ext cx="1815697" cy="2815727"/>
+          </a:xfrm>
+          <a:prstGeom prst="rect">
+            <a:avLst/>
+          </a:prstGeom>
+        </p:spPr>
+      </p:pic>
+      <p:pic>
+        <p:nvPicPr>
+          <p:cNvPr id="21" name="Picture 20">
+            <a:extLst>
+              <a:ext uri="{FF2B5EF4-FFF2-40B4-BE49-F238E27FC236}">
+                <a16:creationId xmlns:a16="http://schemas.microsoft.com/office/drawing/2014/main" id="{E1D22318-74F0-4F52-A9C8-D50F438D3BF2}"/>
+              </a:ext>
+            </a:extLst>
+          </p:cNvPr>
+          <p:cNvPicPr>
+            <a:picLocks noChangeAspect="1"/>
+          </p:cNvPicPr>
+          <p:nvPr/>
+        </p:nvPicPr>
+        <p:blipFill>
+          <a:blip r:embed="rId7"/>
+          <a:stretch>
+            <a:fillRect/>
+          </a:stretch>
+        </p:blipFill>
+        <p:spPr>
+          <a:xfrm>
+            <a:off x="5151124" y="3993897"/>
+            <a:ext cx="1884919" cy="2847430"/>
+          </a:xfrm>
+          <a:prstGeom prst="rect">
+            <a:avLst/>
+          </a:prstGeom>
+        </p:spPr>
+      </p:pic>
+      <p:cxnSp>
+        <p:nvCxnSpPr>
+          <p:cNvPr id="25" name="Straight Arrow Connector 24">
+            <a:extLst>
+              <a:ext uri="{FF2B5EF4-FFF2-40B4-BE49-F238E27FC236}">
+                <a16:creationId xmlns:a16="http://schemas.microsoft.com/office/drawing/2014/main" id="{49F2C58D-AAA1-4F0C-9B69-91B6A2F90B6E}"/>
+              </a:ext>
+            </a:extLst>
+          </p:cNvPr>
+          <p:cNvCxnSpPr/>
+          <p:nvPr/>
+        </p:nvCxnSpPr>
+        <p:spPr>
+          <a:xfrm>
+            <a:off x="2060154" y="4814371"/>
+            <a:ext cx="196093" cy="0"/>
+          </a:xfrm>
+          <a:prstGeom prst="straightConnector1">
+            <a:avLst/>
+          </a:prstGeom>
+          <a:ln>
+            <a:tailEnd type="triangle"/>
+          </a:ln>
+        </p:spPr>
+        <p:style>
+          <a:lnRef idx="1">
+            <a:schemeClr val="accent1"/>
+          </a:lnRef>
+          <a:fillRef idx="0">
+            <a:schemeClr val="accent1"/>
+          </a:fillRef>
+          <a:effectRef idx="0">
+            <a:schemeClr val="accent1"/>
+          </a:effectRef>
+          <a:fontRef idx="minor">
+            <a:schemeClr val="tx1"/>
+          </a:fontRef>
+        </p:style>
+      </p:cxnSp>
+      <p:pic>
+        <p:nvPicPr>
+          <p:cNvPr id="26" name="Picture 25">
+            <a:extLst>
+              <a:ext uri="{FF2B5EF4-FFF2-40B4-BE49-F238E27FC236}">
+                <a16:creationId xmlns:a16="http://schemas.microsoft.com/office/drawing/2014/main" id="{F74C0299-1D1D-4D3A-9E55-3982F3883709}"/>
+              </a:ext>
+            </a:extLst>
+          </p:cNvPr>
+          <p:cNvPicPr>
+            <a:picLocks noChangeAspect="1"/>
+          </p:cNvPicPr>
+          <p:nvPr/>
+        </p:nvPicPr>
+        <p:blipFill>
+          <a:blip r:embed="rId8"/>
+          <a:stretch>
+            <a:fillRect/>
+          </a:stretch>
+        </p:blipFill>
+        <p:spPr>
+          <a:xfrm>
+            <a:off x="7535537" y="3949632"/>
+            <a:ext cx="1859659" cy="2875584"/>
+          </a:xfrm>
+          <a:prstGeom prst="rect">
+            <a:avLst/>
+          </a:prstGeom>
+        </p:spPr>
+      </p:pic>
+      <p:cxnSp>
+        <p:nvCxnSpPr>
+          <p:cNvPr id="27" name="Straight Arrow Connector 26">
+            <a:extLst>
+              <a:ext uri="{FF2B5EF4-FFF2-40B4-BE49-F238E27FC236}">
+                <a16:creationId xmlns:a16="http://schemas.microsoft.com/office/drawing/2014/main" id="{C17E8480-2208-48B1-A0DF-7795B6DFE050}"/>
+              </a:ext>
+            </a:extLst>
+          </p:cNvPr>
+          <p:cNvCxnSpPr>
+            <a:cxnSpLocks/>
+          </p:cNvCxnSpPr>
+          <p:nvPr/>
+        </p:nvCxnSpPr>
+        <p:spPr>
+          <a:xfrm>
+            <a:off x="2060154" y="5552501"/>
+            <a:ext cx="5188011" cy="0"/>
+          </a:xfrm>
+          <a:prstGeom prst="straightConnector1">
+            <a:avLst/>
+          </a:prstGeom>
+          <a:ln>
+            <a:tailEnd type="triangle"/>
+          </a:ln>
+        </p:spPr>
+        <p:style>
+          <a:lnRef idx="1">
+            <a:schemeClr val="accent1"/>
+          </a:lnRef>
+          <a:fillRef idx="0">
+            <a:schemeClr val="accent1"/>
+          </a:fillRef>
+          <a:effectRef idx="0">
+            <a:schemeClr val="accent1"/>
+          </a:effectRef>
+          <a:fontRef idx="minor">
+            <a:schemeClr val="tx1"/>
+          </a:fontRef>
+        </p:style>
+      </p:cxnSp>
+      <p:pic>
+        <p:nvPicPr>
+          <p:cNvPr id="29" name="Picture 28">
+            <a:extLst>
+              <a:ext uri="{FF2B5EF4-FFF2-40B4-BE49-F238E27FC236}">
+                <a16:creationId xmlns:a16="http://schemas.microsoft.com/office/drawing/2014/main" id="{28F9F6C5-94C7-445B-8A94-318BB9D138AF}"/>
+              </a:ext>
+            </a:extLst>
+          </p:cNvPr>
+          <p:cNvPicPr>
+            <a:picLocks noChangeAspect="1"/>
+          </p:cNvPicPr>
+          <p:nvPr/>
+        </p:nvPicPr>
+        <p:blipFill>
+          <a:blip r:embed="rId9"/>
+          <a:stretch>
+            <a:fillRect/>
+          </a:stretch>
+        </p:blipFill>
+        <p:spPr>
+          <a:xfrm>
+            <a:off x="9894690" y="3878680"/>
+            <a:ext cx="1914862" cy="2907754"/>
+          </a:xfrm>
+          <a:prstGeom prst="rect">
+            <a:avLst/>
+          </a:prstGeom>
+        </p:spPr>
+      </p:pic>
+      <p:cxnSp>
+        <p:nvCxnSpPr>
+          <p:cNvPr id="30" name="Straight Arrow Connector 29">
+            <a:extLst>
+              <a:ext uri="{FF2B5EF4-FFF2-40B4-BE49-F238E27FC236}">
+                <a16:creationId xmlns:a16="http://schemas.microsoft.com/office/drawing/2014/main" id="{9086C2B6-0216-47A9-A6CF-C75C779492D7}"/>
+              </a:ext>
+            </a:extLst>
+          </p:cNvPr>
+          <p:cNvCxnSpPr>
+            <a:cxnSpLocks/>
+          </p:cNvCxnSpPr>
+          <p:nvPr/>
+        </p:nvCxnSpPr>
+        <p:spPr>
+          <a:xfrm>
+            <a:off x="2060154" y="5827923"/>
+            <a:ext cx="7645706" cy="0"/>
+          </a:xfrm>
+          <a:prstGeom prst="straightConnector1">
+            <a:avLst/>
+          </a:prstGeom>
+          <a:ln>
+            <a:tailEnd type="triangle"/>
+          </a:ln>
+        </p:spPr>
+        <p:style>
+          <a:lnRef idx="1">
+            <a:schemeClr val="accent1"/>
+          </a:lnRef>
+          <a:fillRef idx="0">
+            <a:schemeClr val="accent1"/>
+          </a:fillRef>
+          <a:effectRef idx="0">
+            <a:schemeClr val="accent1"/>
+          </a:effectRef>
+          <a:fontRef idx="minor">
+            <a:schemeClr val="tx1"/>
+          </a:fontRef>
+        </p:style>
+      </p:cxnSp>
     </p:spTree>
     <p:extLst>
       <p:ext uri="{BB962C8B-B14F-4D97-AF65-F5344CB8AC3E}">
